--- a/S2-MV Regression and Analysis of Variance.pptx
+++ b/S2-MV Regression and Analysis of Variance.pptx
@@ -199,6 +199,60 @@
       </pc:sldChg>
     </pc:docChg>
   </pc:docChgLst>
+  <pc:docChgLst>
+    <pc:chgData name="Xingkai Wu" userId="ff39b276-e29e-4ef7-851e-48539f5803f5" providerId="ADAL" clId="{039F1EE0-16E8-0A40-8D25-C7283EF2E9A2}"/>
+    <pc:docChg chg="modSld">
+      <pc:chgData name="Xingkai Wu" userId="ff39b276-e29e-4ef7-851e-48539f5803f5" providerId="ADAL" clId="{039F1EE0-16E8-0A40-8D25-C7283EF2E9A2}" dt="2022-02-17T17:56:35.919" v="2" actId="1036"/>
+      <pc:docMkLst>
+        <pc:docMk/>
+      </pc:docMkLst>
+      <pc:sldChg chg="modSp mod">
+        <pc:chgData name="Xingkai Wu" userId="ff39b276-e29e-4ef7-851e-48539f5803f5" providerId="ADAL" clId="{039F1EE0-16E8-0A40-8D25-C7283EF2E9A2}" dt="2022-02-17T03:01:30.330" v="1" actId="1036"/>
+        <pc:sldMkLst>
+          <pc:docMk/>
+          <pc:sldMk cId="3892051548" sldId="414"/>
+        </pc:sldMkLst>
+        <pc:graphicFrameChg chg="mod">
+          <ac:chgData name="Xingkai Wu" userId="ff39b276-e29e-4ef7-851e-48539f5803f5" providerId="ADAL" clId="{039F1EE0-16E8-0A40-8D25-C7283EF2E9A2}" dt="2022-02-17T03:01:30.330" v="1" actId="1036"/>
+          <ac:graphicFrameMkLst>
+            <pc:docMk/>
+            <pc:sldMk cId="3892051548" sldId="414"/>
+            <ac:graphicFrameMk id="4" creationId="{00000000-0000-0000-0000-000000000000}"/>
+          </ac:graphicFrameMkLst>
+        </pc:graphicFrameChg>
+      </pc:sldChg>
+      <pc:sldChg chg="modSp mod">
+        <pc:chgData name="Xingkai Wu" userId="ff39b276-e29e-4ef7-851e-48539f5803f5" providerId="ADAL" clId="{039F1EE0-16E8-0A40-8D25-C7283EF2E9A2}" dt="2022-02-17T02:55:46.313" v="0" actId="1036"/>
+        <pc:sldMkLst>
+          <pc:docMk/>
+          <pc:sldMk cId="4258731078" sldId="418"/>
+        </pc:sldMkLst>
+        <pc:spChg chg="mod">
+          <ac:chgData name="Xingkai Wu" userId="ff39b276-e29e-4ef7-851e-48539f5803f5" providerId="ADAL" clId="{039F1EE0-16E8-0A40-8D25-C7283EF2E9A2}" dt="2022-02-17T02:55:46.313" v="0" actId="1036"/>
+          <ac:spMkLst>
+            <pc:docMk/>
+            <pc:sldMk cId="4258731078" sldId="418"/>
+            <ac:spMk id="3" creationId="{00000000-0000-0000-0000-000000000000}"/>
+          </ac:spMkLst>
+        </pc:spChg>
+      </pc:sldChg>
+      <pc:sldChg chg="modSp mod">
+        <pc:chgData name="Xingkai Wu" userId="ff39b276-e29e-4ef7-851e-48539f5803f5" providerId="ADAL" clId="{039F1EE0-16E8-0A40-8D25-C7283EF2E9A2}" dt="2022-02-17T17:56:35.919" v="2" actId="1036"/>
+        <pc:sldMkLst>
+          <pc:docMk/>
+          <pc:sldMk cId="133391445" sldId="434"/>
+        </pc:sldMkLst>
+        <pc:picChg chg="mod">
+          <ac:chgData name="Xingkai Wu" userId="ff39b276-e29e-4ef7-851e-48539f5803f5" providerId="ADAL" clId="{039F1EE0-16E8-0A40-8D25-C7283EF2E9A2}" dt="2022-02-17T17:56:35.919" v="2" actId="1036"/>
+          <ac:picMkLst>
+            <pc:docMk/>
+            <pc:sldMk cId="133391445" sldId="434"/>
+            <ac:picMk id="4" creationId="{00000000-0000-0000-0000-000000000000}"/>
+          </ac:picMkLst>
+        </pc:picChg>
+      </pc:sldChg>
+    </pc:docChg>
+  </pc:docChgLst>
 </pc:chgInfo>
 </file>
 
@@ -312,7 +366,7 @@
           <a:p>
             <a:fld id="{5AC605B7-4C12-45B7-8630-4807B88CCFAC}" type="datetimeFigureOut">
               <a:rPr lang="en-US" smtClean="0"/>
-              <a:t>1/20/22</a:t>
+              <a:t>2/16/22</a:t>
             </a:fld>
             <a:endParaRPr lang="en-US"/>
           </a:p>
@@ -914,7 +968,7 @@
           <a:p>
             <a:fld id="{BD4DBF81-E95E-4A76-A47C-EA481D1C8073}" type="datetimeFigureOut">
               <a:rPr lang="en-US" smtClean="0"/>
-              <a:t>1/20/22</a:t>
+              <a:t>2/16/22</a:t>
             </a:fld>
             <a:endParaRPr lang="en-US" dirty="0"/>
           </a:p>
@@ -1122,7 +1176,7 @@
           <a:p>
             <a:fld id="{BD4DBF81-E95E-4A76-A47C-EA481D1C8073}" type="datetimeFigureOut">
               <a:rPr lang="en-US" smtClean="0"/>
-              <a:t>1/20/22</a:t>
+              <a:t>2/16/22</a:t>
             </a:fld>
             <a:endParaRPr lang="en-US" dirty="0"/>
           </a:p>
@@ -1378,7 +1432,7 @@
           <a:p>
             <a:fld id="{BD4DBF81-E95E-4A76-A47C-EA481D1C8073}" type="datetimeFigureOut">
               <a:rPr lang="en-US" smtClean="0"/>
-              <a:t>1/20/22</a:t>
+              <a:t>2/16/22</a:t>
             </a:fld>
             <a:endParaRPr lang="en-US" dirty="0"/>
           </a:p>
@@ -1951,7 +2005,7 @@
           <a:p>
             <a:fld id="{BD4DBF81-E95E-4A76-A47C-EA481D1C8073}" type="datetimeFigureOut">
               <a:rPr lang="en-US" smtClean="0"/>
-              <a:t>1/20/22</a:t>
+              <a:t>2/16/22</a:t>
             </a:fld>
             <a:endParaRPr lang="en-US" dirty="0"/>
           </a:p>
@@ -2294,7 +2348,7 @@
           <a:p>
             <a:fld id="{BD4DBF81-E95E-4A76-A47C-EA481D1C8073}" type="datetimeFigureOut">
               <a:rPr lang="en-US" smtClean="0"/>
-              <a:t>1/20/22</a:t>
+              <a:t>2/16/22</a:t>
             </a:fld>
             <a:endParaRPr lang="en-US" dirty="0"/>
           </a:p>
@@ -2569,7 +2623,7 @@
           <a:p>
             <a:fld id="{BD4DBF81-E95E-4A76-A47C-EA481D1C8073}" type="datetimeFigureOut">
               <a:rPr lang="en-US" smtClean="0"/>
-              <a:t>1/20/22</a:t>
+              <a:t>2/16/22</a:t>
             </a:fld>
             <a:endParaRPr lang="en-US" dirty="0"/>
           </a:p>
@@ -2948,7 +3002,7 @@
           <a:p>
             <a:fld id="{BD4DBF81-E95E-4A76-A47C-EA481D1C8073}" type="datetimeFigureOut">
               <a:rPr lang="en-US" smtClean="0"/>
-              <a:t>1/20/22</a:t>
+              <a:t>2/16/22</a:t>
             </a:fld>
             <a:endParaRPr lang="en-US" dirty="0"/>
           </a:p>
@@ -3066,7 +3120,7 @@
           <a:p>
             <a:fld id="{BD4DBF81-E95E-4A76-A47C-EA481D1C8073}" type="datetimeFigureOut">
               <a:rPr lang="en-US" smtClean="0"/>
-              <a:t>1/20/22</a:t>
+              <a:t>2/16/22</a:t>
             </a:fld>
             <a:endParaRPr lang="en-US" dirty="0"/>
           </a:p>
@@ -3237,7 +3291,7 @@
           <a:p>
             <a:fld id="{BD4DBF81-E95E-4A76-A47C-EA481D1C8073}" type="datetimeFigureOut">
               <a:rPr lang="en-US" smtClean="0"/>
-              <a:t>1/20/22</a:t>
+              <a:t>2/16/22</a:t>
             </a:fld>
             <a:endParaRPr lang="en-US" dirty="0"/>
           </a:p>
@@ -3591,7 +3645,7 @@
           <a:p>
             <a:fld id="{BD4DBF81-E95E-4A76-A47C-EA481D1C8073}" type="datetimeFigureOut">
               <a:rPr lang="en-US" smtClean="0"/>
-              <a:t>1/20/22</a:t>
+              <a:t>2/16/22</a:t>
             </a:fld>
             <a:endParaRPr lang="en-US" dirty="0"/>
           </a:p>
@@ -3972,7 +4026,7 @@
           <a:p>
             <a:fld id="{BD4DBF81-E95E-4A76-A47C-EA481D1C8073}" type="datetimeFigureOut">
               <a:rPr lang="en-US" smtClean="0"/>
-              <a:t>1/20/22</a:t>
+              <a:t>2/16/22</a:t>
             </a:fld>
             <a:endParaRPr lang="en-US" dirty="0"/>
           </a:p>
@@ -4259,7 +4313,7 @@
           <a:p>
             <a:fld id="{BD4DBF81-E95E-4A76-A47C-EA481D1C8073}" type="datetimeFigureOut">
               <a:rPr lang="en-US" smtClean="0"/>
-              <a:t>1/20/22</a:t>
+              <a:t>2/16/22</a:t>
             </a:fld>
             <a:endParaRPr lang="en-US" dirty="0"/>
           </a:p>
@@ -4962,13 +5016,13 @@
           <p:nvPr>
             <p:extLst>
               <p:ext uri="{D42A27DB-BD31-4B8C-83A1-F6EECF244321}">
-                <p14:modId xmlns:p14="http://schemas.microsoft.com/office/powerpoint/2010/main" val="946697890"/>
+                <p14:modId xmlns:p14="http://schemas.microsoft.com/office/powerpoint/2010/main" val="2453255772"/>
               </p:ext>
             </p:extLst>
           </p:nvPr>
         </p:nvGraphicFramePr>
         <p:xfrm>
-          <a:off x="1602376" y="1846217"/>
+          <a:off x="1602376" y="1858743"/>
           <a:ext cx="9144000" cy="3710940"/>
         </p:xfrm>
         <a:graphic>
@@ -20559,8 +20613,8 @@
           </a:p>
         </p:txBody>
       </p:sp>
-      <mc:AlternateContent xmlns:mc="http://schemas.openxmlformats.org/markup-compatibility/2006">
-        <mc:Choice xmlns:p14="http://schemas.microsoft.com/office/powerpoint/2010/main" Requires="p14">
+      <mc:AlternateContent xmlns:mc="http://schemas.openxmlformats.org/markup-compatibility/2006" xmlns:p14="http://schemas.microsoft.com/office/powerpoint/2010/main">
+        <mc:Choice Requires="p14">
           <p:contentPart p14:bwMode="auto" r:id="rId3">
             <p14:nvContentPartPr>
               <p14:cNvPr id="7" name="Ink 6">
@@ -20579,7 +20633,7 @@
             </p14:xfrm>
           </p:contentPart>
         </mc:Choice>
-        <mc:Fallback>
+        <mc:Fallback xmlns="">
           <p:pic>
             <p:nvPicPr>
               <p:cNvPr id="7" name="Ink 6">
@@ -36694,7 +36748,7 @@
         </p:blipFill>
         <p:spPr>
           <a:xfrm>
-            <a:off x="3551609" y="3292175"/>
+            <a:off x="3551609" y="3304701"/>
             <a:ext cx="4200508" cy="2328874"/>
           </a:xfrm>
           <a:prstGeom prst="rect">
@@ -41098,7 +41152,7 @@
         </p:nvSpPr>
         <p:spPr>
           <a:xfrm>
-            <a:off x="1097280" y="1734900"/>
+            <a:off x="1097280" y="1747426"/>
             <a:ext cx="10058400" cy="4721318"/>
           </a:xfrm>
         </p:spPr>
